--- a/Tests/FloodTest/Out/Shapes.pptx
+++ b/Tests/FloodTest/Out/Shapes.pptx
@@ -105,7 +105,24 @@
       </a:defRPr>
     </a:lvl9pPr>
   </p:defaultTextStyle>
+  <p:extLst>
+    <p:ext uri="{EFAFB233-063F-42B5-8137-9DF3F51BA10A}">
+      <p15:sldGuideLst xmlns:p15="http://schemas.microsoft.com/office/powerpoint/2012/main"/>
+    </p:ext>
+  </p:extLst>
 </p:presentation>
+</file>
+
+<file path=ppt/commentAuthors.xml><?xml version="1.0" encoding="utf-8"?>
+<p:cmAuthorLst xmlns:a="http://schemas.openxmlformats.org/drawingml/2006/main" xmlns:r="http://schemas.openxmlformats.org/officeDocument/2006/relationships" xmlns:p="http://schemas.openxmlformats.org/presentationml/2006/main">
+  <p:cmAuthor id="1" name="Kadosa Koltai" initials="KK" lastIdx="1" clrIdx="0">
+    <p:extLst>
+      <p:ext uri="{19B8F6BF-5375-455C-9EA6-DF929625EA0E}">
+        <p15:presenceInfo xmlns:p15="http://schemas.microsoft.com/office/powerpoint/2012/main" userId="S::kadosa.koltai@incquerylabs.com::b88e9177-360c-4e45-8371-fce62e4ba78e" providerId="AD"/>
+      </p:ext>
+    </p:extLst>
+  </p:cmAuthor>
+</p:cmAuthorLst>
 </file>
 
 <file path=ppt/slideLayouts/slideLayout1.xml><?xml version="1.0" encoding="utf-8"?>
@@ -4425,6 +4442,1086 @@
           <a:chExt cx="0" cy="0"/>
         </a:xfrm>
       </p:grpSpPr>
+      <p:grpSp>
+        <p:nvGrpSpPr>
+          <p:cNvPr id="42" name="Group 41">
+            <a:extLst>
+              <a:ext uri="{FF2B5EF4-FFF2-40B4-BE49-F238E27FC236}">
+                <a16:creationId xmlns:a16="http://schemas.microsoft.com/office/drawing/2014/main" id="{8D7A18FC-E921-4E8B-8414-D40A8F5657FA}"/>
+              </a:ext>
+            </a:extLst>
+          </p:cNvPr>
+          <p:cNvGrpSpPr/>
+          <p:nvPr/>
+        </p:nvGrpSpPr>
+        <p:grpSpPr>
+          <a:xfrm>
+            <a:off x="4353814" y="1533012"/>
+            <a:ext cx="2310366" cy="3171155"/>
+            <a:chOff x="1826412" y="1699463"/>
+            <a:chExt cx="2310366" cy="3171155"/>
+          </a:xfrm>
+        </p:grpSpPr>
+        <p:sp>
+          <p:nvSpPr>
+            <p:cNvPr id="25" name="Rectangle: Rounded Corners 24">
+              <a:extLst>
+                <a:ext uri="{FF2B5EF4-FFF2-40B4-BE49-F238E27FC236}">
+                  <a16:creationId xmlns:a16="http://schemas.microsoft.com/office/drawing/2014/main" id="{B070AFCF-42B8-4719-BC27-F71A7F5C028F}"/>
+                </a:ext>
+              </a:extLst>
+            </p:cNvPr>
+            <p:cNvSpPr/>
+            <p:nvPr/>
+          </p:nvSpPr>
+          <p:spPr>
+            <a:xfrm>
+              <a:off x="1826412" y="1699463"/>
+              <a:ext cx="2310366" cy="3171155"/>
+            </a:xfrm>
+            <a:prstGeom prst="roundRect">
+              <a:avLst/>
+            </a:prstGeom>
+            <a:solidFill>
+              <a:srgbClr val="FFFF00">
+                <a:alpha val="50000"/>
+              </a:srgbClr>
+            </a:solidFill>
+          </p:spPr>
+          <p:style>
+            <a:lnRef idx="2">
+              <a:schemeClr val="accent1">
+                <a:shade val="50000"/>
+              </a:schemeClr>
+            </a:lnRef>
+            <a:fillRef idx="1">
+              <a:schemeClr val="accent1"/>
+            </a:fillRef>
+            <a:effectRef idx="0">
+              <a:schemeClr val="accent1"/>
+            </a:effectRef>
+            <a:fontRef idx="minor">
+              <a:schemeClr val="lt1"/>
+            </a:fontRef>
+          </p:style>
+          <p:txBody>
+            <a:bodyPr rtlCol="0" anchor="ctr"/>
+            <a:lstStyle/>
+            <a:p>
+              <a:pPr algn="ctr"/>
+              <a:endParaRPr lang="en-DE" dirty="0">
+                <a:solidFill>
+                  <a:schemeClr val="tx1"/>
+                </a:solidFill>
+              </a:endParaRPr>
+            </a:p>
+          </p:txBody>
+        </p:sp>
+        <p:sp>
+          <p:nvSpPr>
+            <p:cNvPr id="19" name="Rectangle: Rounded Corners 18">
+              <a:extLst>
+                <a:ext uri="{FF2B5EF4-FFF2-40B4-BE49-F238E27FC236}">
+                  <a16:creationId xmlns:a16="http://schemas.microsoft.com/office/drawing/2014/main" id="{423BA331-F633-46A1-84F4-5259C66D6429}"/>
+                </a:ext>
+              </a:extLst>
+            </p:cNvPr>
+            <p:cNvSpPr/>
+            <p:nvPr/>
+          </p:nvSpPr>
+          <p:spPr>
+            <a:xfrm>
+              <a:off x="2209860" y="4118324"/>
+              <a:ext cx="1539874" cy="535459"/>
+            </a:xfrm>
+            <a:prstGeom prst="roundRect">
+              <a:avLst/>
+            </a:prstGeom>
+            <a:solidFill>
+              <a:srgbClr val="00B050"/>
+            </a:solidFill>
+            <a:ln>
+              <a:noFill/>
+            </a:ln>
+          </p:spPr>
+          <p:style>
+            <a:lnRef idx="2">
+              <a:schemeClr val="accent1">
+                <a:shade val="50000"/>
+              </a:schemeClr>
+            </a:lnRef>
+            <a:fillRef idx="1">
+              <a:schemeClr val="accent1"/>
+            </a:fillRef>
+            <a:effectRef idx="0">
+              <a:schemeClr val="accent1"/>
+            </a:effectRef>
+            <a:fontRef idx="minor">
+              <a:schemeClr val="lt1"/>
+            </a:fontRef>
+          </p:style>
+          <p:txBody>
+            <a:bodyPr rot="0" spcFirstLastPara="0" vertOverflow="overflow" horzOverflow="overflow" vert="horz" wrap="square" lIns="91440" tIns="45720" rIns="91440" bIns="45720" numCol="1" spcCol="0" rtlCol="0" fromWordArt="0" anchor="ctr" anchorCtr="0" forceAA="0" compatLnSpc="1">
+              <a:prstTxWarp prst="textNoShape">
+                <a:avLst/>
+              </a:prstTxWarp>
+              <a:noAutofit/>
+            </a:bodyPr>
+            <a:lstStyle/>
+            <a:p>
+              <a:pPr algn="ctr"/>
+              <a:r>
+                <a:rPr lang="en-US" dirty="0"/>
+                <a:t>Sensor B</a:t>
+              </a:r>
+              <a:endParaRPr lang="en-DE" dirty="0"/>
+            </a:p>
+          </p:txBody>
+        </p:sp>
+        <p:sp>
+          <p:nvSpPr>
+            <p:cNvPr id="31" name="Rectangle: Rounded Corners 30">
+              <a:extLst>
+                <a:ext uri="{FF2B5EF4-FFF2-40B4-BE49-F238E27FC236}">
+                  <a16:creationId xmlns:a16="http://schemas.microsoft.com/office/drawing/2014/main" id="{A958B5E9-D993-4B7B-A1A7-576109AEE7B3}"/>
+                </a:ext>
+              </a:extLst>
+            </p:cNvPr>
+            <p:cNvSpPr/>
+            <p:nvPr/>
+          </p:nvSpPr>
+          <p:spPr>
+            <a:xfrm>
+              <a:off x="2201004" y="3237261"/>
+              <a:ext cx="1539874" cy="535459"/>
+            </a:xfrm>
+            <a:prstGeom prst="roundRect">
+              <a:avLst/>
+            </a:prstGeom>
+            <a:solidFill>
+              <a:srgbClr val="FF0000"/>
+            </a:solidFill>
+          </p:spPr>
+          <p:style>
+            <a:lnRef idx="2">
+              <a:schemeClr val="accent1">
+                <a:shade val="50000"/>
+              </a:schemeClr>
+            </a:lnRef>
+            <a:fillRef idx="1">
+              <a:schemeClr val="accent1"/>
+            </a:fillRef>
+            <a:effectRef idx="0">
+              <a:schemeClr val="accent1"/>
+            </a:effectRef>
+            <a:fontRef idx="minor">
+              <a:schemeClr val="lt1"/>
+            </a:fontRef>
+          </p:style>
+          <p:txBody>
+            <a:bodyPr rot="0" spcFirstLastPara="0" vertOverflow="overflow" horzOverflow="overflow" vert="horz" wrap="square" lIns="91440" tIns="45720" rIns="91440" bIns="45720" numCol="1" spcCol="0" rtlCol="0" fromWordArt="0" anchor="ctr" anchorCtr="0" forceAA="0" compatLnSpc="1">
+              <a:prstTxWarp prst="textNoShape">
+                <a:avLst/>
+              </a:prstTxWarp>
+              <a:noAutofit/>
+            </a:bodyPr>
+            <a:lstStyle/>
+            <a:p>
+              <a:pPr algn="ctr"/>
+              <a:r>
+                <a:rPr lang="en-US" dirty="0" err="1">
+                  <a:solidFill>
+                    <a:schemeClr val="bg1"/>
+                  </a:solidFill>
+                </a:rPr>
+                <a:t>Mosquitto</a:t>
+              </a:r>
+              <a:r>
+                <a:rPr lang="en-US" dirty="0">
+                  <a:solidFill>
+                    <a:schemeClr val="bg1"/>
+                  </a:solidFill>
+                </a:rPr>
+                <a:t> Server</a:t>
+              </a:r>
+              <a:endParaRPr lang="en-DE" dirty="0">
+                <a:solidFill>
+                  <a:schemeClr val="bg1"/>
+                </a:solidFill>
+              </a:endParaRPr>
+            </a:p>
+          </p:txBody>
+        </p:sp>
+        <p:sp>
+          <p:nvSpPr>
+            <p:cNvPr id="32" name="Rectangle: Rounded Corners 31">
+              <a:extLst>
+                <a:ext uri="{FF2B5EF4-FFF2-40B4-BE49-F238E27FC236}">
+                  <a16:creationId xmlns:a16="http://schemas.microsoft.com/office/drawing/2014/main" id="{6008D39B-034F-4973-8AED-B74A2EF87CB0}"/>
+                </a:ext>
+              </a:extLst>
+            </p:cNvPr>
+            <p:cNvSpPr/>
+            <p:nvPr/>
+          </p:nvSpPr>
+          <p:spPr>
+            <a:xfrm>
+              <a:off x="2201042" y="2356198"/>
+              <a:ext cx="1539874" cy="535459"/>
+            </a:xfrm>
+            <a:prstGeom prst="roundRect">
+              <a:avLst/>
+            </a:prstGeom>
+            <a:solidFill>
+              <a:srgbClr val="FF0000"/>
+            </a:solidFill>
+            <a:ln>
+              <a:solidFill>
+                <a:schemeClr val="tx1"/>
+              </a:solidFill>
+            </a:ln>
+          </p:spPr>
+          <p:style>
+            <a:lnRef idx="2">
+              <a:schemeClr val="accent1">
+                <a:shade val="50000"/>
+              </a:schemeClr>
+            </a:lnRef>
+            <a:fillRef idx="1">
+              <a:schemeClr val="accent1"/>
+            </a:fillRef>
+            <a:effectRef idx="0">
+              <a:schemeClr val="accent1"/>
+            </a:effectRef>
+            <a:fontRef idx="minor">
+              <a:schemeClr val="lt1"/>
+            </a:fontRef>
+          </p:style>
+          <p:txBody>
+            <a:bodyPr rot="0" spcFirstLastPara="0" vertOverflow="overflow" horzOverflow="overflow" vert="horz" wrap="square" lIns="91440" tIns="45720" rIns="91440" bIns="45720" numCol="1" spcCol="0" rtlCol="0" fromWordArt="0" anchor="ctr" anchorCtr="0" forceAA="0" compatLnSpc="1">
+              <a:prstTxWarp prst="textNoShape">
+                <a:avLst/>
+              </a:prstTxWarp>
+              <a:noAutofit/>
+            </a:bodyPr>
+            <a:lstStyle/>
+            <a:p>
+              <a:pPr algn="ctr"/>
+              <a:r>
+                <a:rPr lang="en-US" dirty="0">
+                  <a:solidFill>
+                    <a:schemeClr val="bg1"/>
+                  </a:solidFill>
+                </a:rPr>
+                <a:t>Arrowhead Core Systems</a:t>
+              </a:r>
+              <a:endParaRPr lang="en-DE" dirty="0">
+                <a:solidFill>
+                  <a:schemeClr val="bg1"/>
+                </a:solidFill>
+              </a:endParaRPr>
+            </a:p>
+          </p:txBody>
+        </p:sp>
+        <p:sp>
+          <p:nvSpPr>
+            <p:cNvPr id="35" name="TextBox 34">
+              <a:extLst>
+                <a:ext uri="{FF2B5EF4-FFF2-40B4-BE49-F238E27FC236}">
+                  <a16:creationId xmlns:a16="http://schemas.microsoft.com/office/drawing/2014/main" id="{76F7D956-2E75-486D-82BF-40B7E2590527}"/>
+                </a:ext>
+              </a:extLst>
+            </p:cNvPr>
+            <p:cNvSpPr txBox="1"/>
+            <p:nvPr/>
+          </p:nvSpPr>
+          <p:spPr>
+            <a:xfrm>
+              <a:off x="1916531" y="1808033"/>
+              <a:ext cx="1381328" cy="369204"/>
+            </a:xfrm>
+            <a:prstGeom prst="rect">
+              <a:avLst/>
+            </a:prstGeom>
+            <a:noFill/>
+          </p:spPr>
+          <p:txBody>
+            <a:bodyPr wrap="square" rtlCol="0">
+              <a:spAutoFit/>
+            </a:bodyPr>
+            <a:lstStyle/>
+            <a:p>
+              <a:r>
+                <a:rPr lang="en-US" dirty="0"/>
+                <a:t>Machine B</a:t>
+              </a:r>
+              <a:endParaRPr lang="en-DE" dirty="0"/>
+            </a:p>
+          </p:txBody>
+        </p:sp>
+      </p:grpSp>
+      <p:grpSp>
+        <p:nvGrpSpPr>
+          <p:cNvPr id="43" name="Group 42">
+            <a:extLst>
+              <a:ext uri="{FF2B5EF4-FFF2-40B4-BE49-F238E27FC236}">
+                <a16:creationId xmlns:a16="http://schemas.microsoft.com/office/drawing/2014/main" id="{0A85B859-C001-4D23-A24A-998E8FE01324}"/>
+              </a:ext>
+            </a:extLst>
+          </p:cNvPr>
+          <p:cNvGrpSpPr/>
+          <p:nvPr/>
+        </p:nvGrpSpPr>
+        <p:grpSpPr>
+          <a:xfrm>
+            <a:off x="6830175" y="1544719"/>
+            <a:ext cx="2310366" cy="3171155"/>
+            <a:chOff x="7277654" y="872818"/>
+            <a:chExt cx="2310366" cy="3171155"/>
+          </a:xfrm>
+        </p:grpSpPr>
+        <p:sp>
+          <p:nvSpPr>
+            <p:cNvPr id="28" name="Rectangle: Rounded Corners 27">
+              <a:extLst>
+                <a:ext uri="{FF2B5EF4-FFF2-40B4-BE49-F238E27FC236}">
+                  <a16:creationId xmlns:a16="http://schemas.microsoft.com/office/drawing/2014/main" id="{EAD6DC2F-D406-4AC4-90F8-175F417E8507}"/>
+                </a:ext>
+              </a:extLst>
+            </p:cNvPr>
+            <p:cNvSpPr/>
+            <p:nvPr/>
+          </p:nvSpPr>
+          <p:spPr>
+            <a:xfrm>
+              <a:off x="7277654" y="872818"/>
+              <a:ext cx="2310366" cy="3171155"/>
+            </a:xfrm>
+            <a:prstGeom prst="roundRect">
+              <a:avLst/>
+            </a:prstGeom>
+            <a:solidFill>
+              <a:srgbClr val="FFFF00">
+                <a:alpha val="50000"/>
+              </a:srgbClr>
+            </a:solidFill>
+          </p:spPr>
+          <p:style>
+            <a:lnRef idx="2">
+              <a:schemeClr val="accent1">
+                <a:shade val="50000"/>
+              </a:schemeClr>
+            </a:lnRef>
+            <a:fillRef idx="1">
+              <a:schemeClr val="accent1"/>
+            </a:fillRef>
+            <a:effectRef idx="0">
+              <a:schemeClr val="accent1"/>
+            </a:effectRef>
+            <a:fontRef idx="minor">
+              <a:schemeClr val="lt1"/>
+            </a:fontRef>
+          </p:style>
+          <p:txBody>
+            <a:bodyPr rtlCol="0" anchor="ctr"/>
+            <a:lstStyle/>
+            <a:p>
+              <a:pPr algn="ctr"/>
+              <a:endParaRPr lang="en-DE" dirty="0"/>
+            </a:p>
+          </p:txBody>
+        </p:sp>
+        <p:grpSp>
+          <p:nvGrpSpPr>
+            <p:cNvPr id="20" name="Group 19">
+              <a:extLst>
+                <a:ext uri="{FF2B5EF4-FFF2-40B4-BE49-F238E27FC236}">
+                  <a16:creationId xmlns:a16="http://schemas.microsoft.com/office/drawing/2014/main" id="{7461206F-56FD-4F06-89E9-868B718EE14F}"/>
+                </a:ext>
+              </a:extLst>
+            </p:cNvPr>
+            <p:cNvGrpSpPr/>
+            <p:nvPr/>
+          </p:nvGrpSpPr>
+          <p:grpSpPr>
+            <a:xfrm>
+              <a:off x="7638798" y="2748255"/>
+              <a:ext cx="1588077" cy="840257"/>
+              <a:chOff x="2813221" y="4032420"/>
+              <a:chExt cx="1470454" cy="840257"/>
+            </a:xfrm>
+          </p:grpSpPr>
+          <p:sp>
+            <p:nvSpPr>
+              <p:cNvPr id="21" name="Rectangle: Rounded Corners 20">
+                <a:extLst>
+                  <a:ext uri="{FF2B5EF4-FFF2-40B4-BE49-F238E27FC236}">
+                    <a16:creationId xmlns:a16="http://schemas.microsoft.com/office/drawing/2014/main" id="{E67A45F5-6B97-4EC3-8C8C-DFAD99CE7E2D}"/>
+                  </a:ext>
+                </a:extLst>
+              </p:cNvPr>
+              <p:cNvSpPr/>
+              <p:nvPr/>
+            </p:nvSpPr>
+            <p:spPr>
+              <a:xfrm>
+                <a:off x="3113902" y="4337218"/>
+                <a:ext cx="1169773" cy="535459"/>
+              </a:xfrm>
+              <a:prstGeom prst="roundRect">
+                <a:avLst/>
+              </a:prstGeom>
+            </p:spPr>
+            <p:style>
+              <a:lnRef idx="2">
+                <a:schemeClr val="accent1">
+                  <a:shade val="50000"/>
+                </a:schemeClr>
+              </a:lnRef>
+              <a:fillRef idx="1">
+                <a:schemeClr val="accent1"/>
+              </a:fillRef>
+              <a:effectRef idx="0">
+                <a:schemeClr val="accent1"/>
+              </a:effectRef>
+              <a:fontRef idx="minor">
+                <a:schemeClr val="lt1"/>
+              </a:fontRef>
+            </p:style>
+            <p:txBody>
+              <a:bodyPr rot="0" spcFirstLastPara="0" vertOverflow="overflow" horzOverflow="overflow" vert="horz" wrap="square" lIns="91440" tIns="45720" rIns="91440" bIns="45720" numCol="1" spcCol="0" rtlCol="0" fromWordArt="0" anchor="ctr" anchorCtr="0" forceAA="0" compatLnSpc="1">
+                <a:prstTxWarp prst="textNoShape">
+                  <a:avLst/>
+                </a:prstTxWarp>
+                <a:noAutofit/>
+              </a:bodyPr>
+              <a:lstStyle/>
+              <a:p>
+                <a:pPr algn="ctr"/>
+                <a:endParaRPr lang="en-DE" dirty="0"/>
+              </a:p>
+            </p:txBody>
+          </p:sp>
+          <p:sp>
+            <p:nvSpPr>
+              <p:cNvPr id="22" name="Rectangle: Rounded Corners 21">
+                <a:extLst>
+                  <a:ext uri="{FF2B5EF4-FFF2-40B4-BE49-F238E27FC236}">
+                    <a16:creationId xmlns:a16="http://schemas.microsoft.com/office/drawing/2014/main" id="{533BA479-0AA7-43AB-9D06-169E24D7A0D4}"/>
+                  </a:ext>
+                </a:extLst>
+              </p:cNvPr>
+              <p:cNvSpPr/>
+              <p:nvPr/>
+            </p:nvSpPr>
+            <p:spPr>
+              <a:xfrm>
+                <a:off x="3027405" y="4234247"/>
+                <a:ext cx="1169773" cy="535459"/>
+              </a:xfrm>
+              <a:prstGeom prst="roundRect">
+                <a:avLst/>
+              </a:prstGeom>
+            </p:spPr>
+            <p:style>
+              <a:lnRef idx="2">
+                <a:schemeClr val="accent1">
+                  <a:shade val="50000"/>
+                </a:schemeClr>
+              </a:lnRef>
+              <a:fillRef idx="1">
+                <a:schemeClr val="accent1"/>
+              </a:fillRef>
+              <a:effectRef idx="0">
+                <a:schemeClr val="accent1"/>
+              </a:effectRef>
+              <a:fontRef idx="minor">
+                <a:schemeClr val="lt1"/>
+              </a:fontRef>
+            </p:style>
+            <p:txBody>
+              <a:bodyPr rot="0" spcFirstLastPara="0" vertOverflow="overflow" horzOverflow="overflow" vert="horz" wrap="square" lIns="91440" tIns="45720" rIns="91440" bIns="45720" numCol="1" spcCol="0" rtlCol="0" fromWordArt="0" anchor="ctr" anchorCtr="0" forceAA="0" compatLnSpc="1">
+                <a:prstTxWarp prst="textNoShape">
+                  <a:avLst/>
+                </a:prstTxWarp>
+                <a:noAutofit/>
+              </a:bodyPr>
+              <a:lstStyle/>
+              <a:p>
+                <a:pPr algn="ctr"/>
+                <a:endParaRPr lang="en-DE" dirty="0"/>
+              </a:p>
+            </p:txBody>
+          </p:sp>
+          <p:sp>
+            <p:nvSpPr>
+              <p:cNvPr id="23" name="Rectangle: Rounded Corners 22">
+                <a:extLst>
+                  <a:ext uri="{FF2B5EF4-FFF2-40B4-BE49-F238E27FC236}">
+                    <a16:creationId xmlns:a16="http://schemas.microsoft.com/office/drawing/2014/main" id="{0AD8AC45-1242-4DED-8E32-B9106EA170A6}"/>
+                  </a:ext>
+                </a:extLst>
+              </p:cNvPr>
+              <p:cNvSpPr/>
+              <p:nvPr/>
+            </p:nvSpPr>
+            <p:spPr>
+              <a:xfrm>
+                <a:off x="2920313" y="4135393"/>
+                <a:ext cx="1169773" cy="535459"/>
+              </a:xfrm>
+              <a:prstGeom prst="roundRect">
+                <a:avLst/>
+              </a:prstGeom>
+            </p:spPr>
+            <p:style>
+              <a:lnRef idx="2">
+                <a:schemeClr val="accent1">
+                  <a:shade val="50000"/>
+                </a:schemeClr>
+              </a:lnRef>
+              <a:fillRef idx="1">
+                <a:schemeClr val="accent1"/>
+              </a:fillRef>
+              <a:effectRef idx="0">
+                <a:schemeClr val="accent1"/>
+              </a:effectRef>
+              <a:fontRef idx="minor">
+                <a:schemeClr val="lt1"/>
+              </a:fontRef>
+            </p:style>
+            <p:txBody>
+              <a:bodyPr rot="0" spcFirstLastPara="0" vertOverflow="overflow" horzOverflow="overflow" vert="horz" wrap="square" lIns="91440" tIns="45720" rIns="91440" bIns="45720" numCol="1" spcCol="0" rtlCol="0" fromWordArt="0" anchor="ctr" anchorCtr="0" forceAA="0" compatLnSpc="1">
+                <a:prstTxWarp prst="textNoShape">
+                  <a:avLst/>
+                </a:prstTxWarp>
+                <a:noAutofit/>
+              </a:bodyPr>
+              <a:lstStyle/>
+              <a:p>
+                <a:pPr algn="ctr"/>
+                <a:endParaRPr lang="en-DE" dirty="0"/>
+              </a:p>
+            </p:txBody>
+          </p:sp>
+          <p:sp>
+            <p:nvSpPr>
+              <p:cNvPr id="24" name="Rectangle: Rounded Corners 23">
+                <a:extLst>
+                  <a:ext uri="{FF2B5EF4-FFF2-40B4-BE49-F238E27FC236}">
+                    <a16:creationId xmlns:a16="http://schemas.microsoft.com/office/drawing/2014/main" id="{DF817909-4110-421E-910B-26B338022F03}"/>
+                  </a:ext>
+                </a:extLst>
+              </p:cNvPr>
+              <p:cNvSpPr/>
+              <p:nvPr/>
+            </p:nvSpPr>
+            <p:spPr>
+              <a:xfrm>
+                <a:off x="2813221" y="4032420"/>
+                <a:ext cx="1169773" cy="535459"/>
+              </a:xfrm>
+              <a:prstGeom prst="roundRect">
+                <a:avLst/>
+              </a:prstGeom>
+            </p:spPr>
+            <p:style>
+              <a:lnRef idx="2">
+                <a:schemeClr val="accent1">
+                  <a:shade val="50000"/>
+                </a:schemeClr>
+              </a:lnRef>
+              <a:fillRef idx="1">
+                <a:schemeClr val="accent1"/>
+              </a:fillRef>
+              <a:effectRef idx="0">
+                <a:schemeClr val="accent1"/>
+              </a:effectRef>
+              <a:fontRef idx="minor">
+                <a:schemeClr val="lt1"/>
+              </a:fontRef>
+            </p:style>
+            <p:txBody>
+              <a:bodyPr rot="0" spcFirstLastPara="0" vertOverflow="overflow" horzOverflow="overflow" vert="horz" wrap="square" lIns="91440" tIns="45720" rIns="91440" bIns="45720" numCol="1" spcCol="0" rtlCol="0" fromWordArt="0" anchor="ctr" anchorCtr="0" forceAA="0" compatLnSpc="1">
+                <a:prstTxWarp prst="textNoShape">
+                  <a:avLst/>
+                </a:prstTxWarp>
+                <a:noAutofit/>
+              </a:bodyPr>
+              <a:lstStyle/>
+              <a:p>
+                <a:pPr algn="ctr"/>
+                <a:r>
+                  <a:rPr lang="en-US" dirty="0"/>
+                  <a:t>Processors</a:t>
+                </a:r>
+                <a:endParaRPr lang="en-DE" dirty="0"/>
+              </a:p>
+            </p:txBody>
+          </p:sp>
+        </p:grpSp>
+        <p:sp>
+          <p:nvSpPr>
+            <p:cNvPr id="30" name="Rectangle: Rounded Corners 29">
+              <a:extLst>
+                <a:ext uri="{FF2B5EF4-FFF2-40B4-BE49-F238E27FC236}">
+                  <a16:creationId xmlns:a16="http://schemas.microsoft.com/office/drawing/2014/main" id="{86485071-1C5C-42FE-9F8C-04B3B81B636E}"/>
+                </a:ext>
+              </a:extLst>
+            </p:cNvPr>
+            <p:cNvSpPr/>
+            <p:nvPr/>
+          </p:nvSpPr>
+          <p:spPr>
+            <a:xfrm>
+              <a:off x="7808820" y="1757335"/>
+              <a:ext cx="1248033" cy="535459"/>
+            </a:xfrm>
+            <a:prstGeom prst="roundRect">
+              <a:avLst/>
+            </a:prstGeom>
+            <a:solidFill>
+              <a:schemeClr val="bg1"/>
+            </a:solidFill>
+          </p:spPr>
+          <p:style>
+            <a:lnRef idx="2">
+              <a:schemeClr val="accent1">
+                <a:shade val="50000"/>
+              </a:schemeClr>
+            </a:lnRef>
+            <a:fillRef idx="1">
+              <a:schemeClr val="accent1"/>
+            </a:fillRef>
+            <a:effectRef idx="0">
+              <a:schemeClr val="accent1"/>
+            </a:effectRef>
+            <a:fontRef idx="minor">
+              <a:schemeClr val="lt1"/>
+            </a:fontRef>
+          </p:style>
+          <p:txBody>
+            <a:bodyPr rot="0" spcFirstLastPara="0" vertOverflow="overflow" horzOverflow="overflow" vert="horz" wrap="square" lIns="91440" tIns="45720" rIns="91440" bIns="45720" numCol="1" spcCol="0" rtlCol="0" fromWordArt="0" anchor="ctr" anchorCtr="0" forceAA="0" compatLnSpc="1">
+              <a:prstTxWarp prst="textNoShape">
+                <a:avLst/>
+              </a:prstTxWarp>
+              <a:noAutofit/>
+            </a:bodyPr>
+            <a:lstStyle/>
+            <a:p>
+              <a:pPr algn="ctr"/>
+              <a:r>
+                <a:rPr lang="en-US" dirty="0">
+                  <a:solidFill>
+                    <a:schemeClr val="tx1"/>
+                  </a:solidFill>
+                </a:rPr>
+                <a:t>Processor Factory</a:t>
+              </a:r>
+              <a:endParaRPr lang="en-DE" dirty="0">
+                <a:solidFill>
+                  <a:schemeClr val="tx1"/>
+                </a:solidFill>
+              </a:endParaRPr>
+            </a:p>
+          </p:txBody>
+        </p:sp>
+        <p:sp>
+          <p:nvSpPr>
+            <p:cNvPr id="38" name="TextBox 37">
+              <a:extLst>
+                <a:ext uri="{FF2B5EF4-FFF2-40B4-BE49-F238E27FC236}">
+                  <a16:creationId xmlns:a16="http://schemas.microsoft.com/office/drawing/2014/main" id="{A3BD3917-7D83-46FB-BCE7-3FA454CF2B03}"/>
+                </a:ext>
+              </a:extLst>
+            </p:cNvPr>
+            <p:cNvSpPr txBox="1"/>
+            <p:nvPr/>
+          </p:nvSpPr>
+          <p:spPr>
+            <a:xfrm>
+              <a:off x="7435234" y="992912"/>
+              <a:ext cx="1381328" cy="369204"/>
+            </a:xfrm>
+            <a:prstGeom prst="rect">
+              <a:avLst/>
+            </a:prstGeom>
+            <a:noFill/>
+          </p:spPr>
+          <p:txBody>
+            <a:bodyPr wrap="square" rtlCol="0">
+              <a:spAutoFit/>
+            </a:bodyPr>
+            <a:lstStyle/>
+            <a:p>
+              <a:r>
+                <a:rPr lang="en-US" dirty="0"/>
+                <a:t>Machine C</a:t>
+              </a:r>
+              <a:endParaRPr lang="en-DE" dirty="0"/>
+            </a:p>
+          </p:txBody>
+        </p:sp>
+      </p:grpSp>
+      <p:grpSp>
+        <p:nvGrpSpPr>
+          <p:cNvPr id="40" name="Group 39">
+            <a:extLst>
+              <a:ext uri="{FF2B5EF4-FFF2-40B4-BE49-F238E27FC236}">
+                <a16:creationId xmlns:a16="http://schemas.microsoft.com/office/drawing/2014/main" id="{015E9C75-4A4C-4349-97C2-DCB12D25BCCA}"/>
+              </a:ext>
+            </a:extLst>
+          </p:cNvPr>
+          <p:cNvGrpSpPr/>
+          <p:nvPr/>
+        </p:nvGrpSpPr>
+        <p:grpSpPr>
+          <a:xfrm>
+            <a:off x="1882507" y="1544719"/>
+            <a:ext cx="2310366" cy="3171155"/>
+            <a:chOff x="6659010" y="2401831"/>
+            <a:chExt cx="2310366" cy="3171154"/>
+          </a:xfrm>
+        </p:grpSpPr>
+        <p:sp>
+          <p:nvSpPr>
+            <p:cNvPr id="29" name="Rectangle: Rounded Corners 28">
+              <a:extLst>
+                <a:ext uri="{FF2B5EF4-FFF2-40B4-BE49-F238E27FC236}">
+                  <a16:creationId xmlns:a16="http://schemas.microsoft.com/office/drawing/2014/main" id="{D5D8F3C1-39BC-43B5-955C-FC9420229B4D}"/>
+                </a:ext>
+              </a:extLst>
+            </p:cNvPr>
+            <p:cNvSpPr/>
+            <p:nvPr/>
+          </p:nvSpPr>
+          <p:spPr>
+            <a:xfrm>
+              <a:off x="6659010" y="2401831"/>
+              <a:ext cx="2310366" cy="3171154"/>
+            </a:xfrm>
+            <a:prstGeom prst="roundRect">
+              <a:avLst/>
+            </a:prstGeom>
+            <a:solidFill>
+              <a:srgbClr val="FFFF00">
+                <a:alpha val="50000"/>
+              </a:srgbClr>
+            </a:solidFill>
+          </p:spPr>
+          <p:style>
+            <a:lnRef idx="2">
+              <a:schemeClr val="accent1">
+                <a:shade val="50000"/>
+              </a:schemeClr>
+            </a:lnRef>
+            <a:fillRef idx="1">
+              <a:schemeClr val="accent1"/>
+            </a:fillRef>
+            <a:effectRef idx="0">
+              <a:schemeClr val="accent1"/>
+            </a:effectRef>
+            <a:fontRef idx="minor">
+              <a:schemeClr val="lt1"/>
+            </a:fontRef>
+          </p:style>
+          <p:txBody>
+            <a:bodyPr rtlCol="0" anchor="ctr"/>
+            <a:lstStyle/>
+            <a:p>
+              <a:pPr algn="ctr"/>
+              <a:endParaRPr lang="en-DE"/>
+            </a:p>
+          </p:txBody>
+        </p:sp>
+        <p:sp>
+          <p:nvSpPr>
+            <p:cNvPr id="17" name="Rectangle: Rounded Corners 16">
+              <a:extLst>
+                <a:ext uri="{FF2B5EF4-FFF2-40B4-BE49-F238E27FC236}">
+                  <a16:creationId xmlns:a16="http://schemas.microsoft.com/office/drawing/2014/main" id="{BAF1A153-B13B-43A8-9A3D-98571DB3C12C}"/>
+                </a:ext>
+              </a:extLst>
+            </p:cNvPr>
+            <p:cNvSpPr/>
+            <p:nvPr/>
+          </p:nvSpPr>
+          <p:spPr>
+            <a:xfrm>
+              <a:off x="7184198" y="4808984"/>
+              <a:ext cx="1258416" cy="535459"/>
+            </a:xfrm>
+            <a:prstGeom prst="roundRect">
+              <a:avLst/>
+            </a:prstGeom>
+            <a:solidFill>
+              <a:srgbClr val="00B050"/>
+            </a:solidFill>
+            <a:ln>
+              <a:noFill/>
+            </a:ln>
+          </p:spPr>
+          <p:style>
+            <a:lnRef idx="2">
+              <a:schemeClr val="accent1">
+                <a:shade val="50000"/>
+              </a:schemeClr>
+            </a:lnRef>
+            <a:fillRef idx="1">
+              <a:schemeClr val="accent1"/>
+            </a:fillRef>
+            <a:effectRef idx="0">
+              <a:schemeClr val="accent1"/>
+            </a:effectRef>
+            <a:fontRef idx="minor">
+              <a:schemeClr val="lt1"/>
+            </a:fontRef>
+          </p:style>
+          <p:txBody>
+            <a:bodyPr rot="0" spcFirstLastPara="0" vertOverflow="overflow" horzOverflow="overflow" vert="horz" wrap="square" lIns="91440" tIns="45720" rIns="91440" bIns="45720" numCol="1" spcCol="0" rtlCol="0" fromWordArt="0" anchor="ctr" anchorCtr="0" forceAA="0" compatLnSpc="1">
+              <a:prstTxWarp prst="textNoShape">
+                <a:avLst/>
+              </a:prstTxWarp>
+              <a:noAutofit/>
+            </a:bodyPr>
+            <a:lstStyle/>
+            <a:p>
+              <a:pPr algn="ctr"/>
+              <a:r>
+                <a:rPr lang="en-US" dirty="0"/>
+                <a:t>Sensor A</a:t>
+              </a:r>
+              <a:endParaRPr lang="en-DE" dirty="0"/>
+            </a:p>
+          </p:txBody>
+        </p:sp>
+        <p:sp>
+          <p:nvSpPr>
+            <p:cNvPr id="18" name="Rectangle: Rounded Corners 17">
+              <a:extLst>
+                <a:ext uri="{FF2B5EF4-FFF2-40B4-BE49-F238E27FC236}">
+                  <a16:creationId xmlns:a16="http://schemas.microsoft.com/office/drawing/2014/main" id="{17BC4A63-4965-4957-A354-2159B7FF6936}"/>
+                </a:ext>
+              </a:extLst>
+            </p:cNvPr>
+            <p:cNvSpPr/>
+            <p:nvPr/>
+          </p:nvSpPr>
+          <p:spPr>
+            <a:xfrm>
+              <a:off x="7197571" y="4177894"/>
+              <a:ext cx="1248033" cy="535459"/>
+            </a:xfrm>
+            <a:prstGeom prst="roundRect">
+              <a:avLst/>
+            </a:prstGeom>
+            <a:solidFill>
+              <a:schemeClr val="accent2"/>
+            </a:solidFill>
+          </p:spPr>
+          <p:style>
+            <a:lnRef idx="2">
+              <a:schemeClr val="accent1">
+                <a:shade val="50000"/>
+              </a:schemeClr>
+            </a:lnRef>
+            <a:fillRef idx="1">
+              <a:schemeClr val="accent1"/>
+            </a:fillRef>
+            <a:effectRef idx="0">
+              <a:schemeClr val="accent1"/>
+            </a:effectRef>
+            <a:fontRef idx="minor">
+              <a:schemeClr val="lt1"/>
+            </a:fontRef>
+          </p:style>
+          <p:txBody>
+            <a:bodyPr rot="0" spcFirstLastPara="0" vertOverflow="overflow" horzOverflow="overflow" vert="horz" wrap="square" lIns="91440" tIns="45720" rIns="91440" bIns="45720" numCol="1" spcCol="0" rtlCol="0" fromWordArt="0" anchor="ctr" anchorCtr="0" forceAA="0" compatLnSpc="1">
+              <a:prstTxWarp prst="textNoShape">
+                <a:avLst/>
+              </a:prstTxWarp>
+              <a:noAutofit/>
+            </a:bodyPr>
+            <a:lstStyle/>
+            <a:p>
+              <a:pPr algn="ctr"/>
+              <a:r>
+                <a:rPr lang="en-US" dirty="0"/>
+                <a:t>Consumer</a:t>
+              </a:r>
+              <a:endParaRPr lang="en-DE" dirty="0"/>
+            </a:p>
+          </p:txBody>
+        </p:sp>
+        <p:sp>
+          <p:nvSpPr>
+            <p:cNvPr id="33" name="Rectangle: Rounded Corners 32">
+              <a:extLst>
+                <a:ext uri="{FF2B5EF4-FFF2-40B4-BE49-F238E27FC236}">
+                  <a16:creationId xmlns:a16="http://schemas.microsoft.com/office/drawing/2014/main" id="{88987559-1B9D-4C52-8240-D6595F97D782}"/>
+                </a:ext>
+              </a:extLst>
+            </p:cNvPr>
+            <p:cNvSpPr/>
+            <p:nvPr/>
+          </p:nvSpPr>
+          <p:spPr>
+            <a:xfrm>
+              <a:off x="7184198" y="3546804"/>
+              <a:ext cx="1248033" cy="535459"/>
+            </a:xfrm>
+            <a:prstGeom prst="roundRect">
+              <a:avLst/>
+            </a:prstGeom>
+            <a:solidFill>
+              <a:schemeClr val="bg1"/>
+            </a:solidFill>
+          </p:spPr>
+          <p:style>
+            <a:lnRef idx="2">
+              <a:schemeClr val="accent1">
+                <a:shade val="50000"/>
+              </a:schemeClr>
+            </a:lnRef>
+            <a:fillRef idx="1">
+              <a:schemeClr val="accent1"/>
+            </a:fillRef>
+            <a:effectRef idx="0">
+              <a:schemeClr val="accent1"/>
+            </a:effectRef>
+            <a:fontRef idx="minor">
+              <a:schemeClr val="lt1"/>
+            </a:fontRef>
+          </p:style>
+          <p:txBody>
+            <a:bodyPr rot="0" spcFirstLastPara="0" vertOverflow="overflow" horzOverflow="overflow" vert="horz" wrap="square" lIns="91440" tIns="45720" rIns="91440" bIns="45720" numCol="1" spcCol="0" rtlCol="0" fromWordArt="0" anchor="ctr" anchorCtr="0" forceAA="0" compatLnSpc="1">
+              <a:prstTxWarp prst="textNoShape">
+                <a:avLst/>
+              </a:prstTxWarp>
+              <a:noAutofit/>
+            </a:bodyPr>
+            <a:lstStyle/>
+            <a:p>
+              <a:pPr algn="ctr"/>
+              <a:r>
+                <a:rPr lang="en-US" dirty="0">
+                  <a:solidFill>
+                    <a:schemeClr val="tx1"/>
+                  </a:solidFill>
+                </a:rPr>
+                <a:t>Auxiliary</a:t>
+              </a:r>
+              <a:endParaRPr lang="en-DE" dirty="0">
+                <a:solidFill>
+                  <a:schemeClr val="tx1"/>
+                </a:solidFill>
+              </a:endParaRPr>
+            </a:p>
+          </p:txBody>
+        </p:sp>
+        <p:sp>
+          <p:nvSpPr>
+            <p:cNvPr id="34" name="Rectangle: Rounded Corners 33">
+              <a:extLst>
+                <a:ext uri="{FF2B5EF4-FFF2-40B4-BE49-F238E27FC236}">
+                  <a16:creationId xmlns:a16="http://schemas.microsoft.com/office/drawing/2014/main" id="{BFB51DCC-7A12-4257-941A-7A53906E73C0}"/>
+                </a:ext>
+              </a:extLst>
+            </p:cNvPr>
+            <p:cNvSpPr/>
+            <p:nvPr/>
+          </p:nvSpPr>
+          <p:spPr>
+            <a:xfrm>
+              <a:off x="7194581" y="2915714"/>
+              <a:ext cx="1248033" cy="535459"/>
+            </a:xfrm>
+            <a:prstGeom prst="roundRect">
+              <a:avLst/>
+            </a:prstGeom>
+            <a:solidFill>
+              <a:schemeClr val="bg1"/>
+            </a:solidFill>
+          </p:spPr>
+          <p:style>
+            <a:lnRef idx="2">
+              <a:schemeClr val="accent1">
+                <a:shade val="50000"/>
+              </a:schemeClr>
+            </a:lnRef>
+            <a:fillRef idx="1">
+              <a:schemeClr val="accent1"/>
+            </a:fillRef>
+            <a:effectRef idx="0">
+              <a:schemeClr val="accent1"/>
+            </a:effectRef>
+            <a:fontRef idx="minor">
+              <a:schemeClr val="lt1"/>
+            </a:fontRef>
+          </p:style>
+          <p:txBody>
+            <a:bodyPr rot="0" spcFirstLastPara="0" vertOverflow="overflow" horzOverflow="overflow" vert="horz" wrap="square" lIns="91440" tIns="45720" rIns="91440" bIns="45720" numCol="1" spcCol="0" rtlCol="0" fromWordArt="0" anchor="ctr" anchorCtr="0" forceAA="0" compatLnSpc="1">
+              <a:prstTxWarp prst="textNoShape">
+                <a:avLst/>
+              </a:prstTxWarp>
+              <a:noAutofit/>
+            </a:bodyPr>
+            <a:lstStyle/>
+            <a:p>
+              <a:pPr algn="ctr"/>
+              <a:r>
+                <a:rPr lang="en-US" dirty="0">
+                  <a:solidFill>
+                    <a:schemeClr val="tx1"/>
+                  </a:solidFill>
+                </a:rPr>
+                <a:t>Test Organizer</a:t>
+              </a:r>
+              <a:endParaRPr lang="en-DE" dirty="0">
+                <a:solidFill>
+                  <a:schemeClr val="tx1"/>
+                </a:solidFill>
+              </a:endParaRPr>
+            </a:p>
+          </p:txBody>
+        </p:sp>
+        <p:sp>
+          <p:nvSpPr>
+            <p:cNvPr id="39" name="TextBox 38">
+              <a:extLst>
+                <a:ext uri="{FF2B5EF4-FFF2-40B4-BE49-F238E27FC236}">
+                  <a16:creationId xmlns:a16="http://schemas.microsoft.com/office/drawing/2014/main" id="{9C737EF1-D1F7-4115-A4A4-009866E596A2}"/>
+                </a:ext>
+              </a:extLst>
+            </p:cNvPr>
+            <p:cNvSpPr txBox="1"/>
+            <p:nvPr/>
+          </p:nvSpPr>
+          <p:spPr>
+            <a:xfrm>
+              <a:off x="6763965" y="2498694"/>
+              <a:ext cx="1381328" cy="369204"/>
+            </a:xfrm>
+            <a:prstGeom prst="rect">
+              <a:avLst/>
+            </a:prstGeom>
+            <a:noFill/>
+          </p:spPr>
+          <p:txBody>
+            <a:bodyPr wrap="square" rtlCol="0">
+              <a:spAutoFit/>
+            </a:bodyPr>
+            <a:lstStyle/>
+            <a:p>
+              <a:r>
+                <a:rPr lang="en-US" dirty="0"/>
+                <a:t>Machine A</a:t>
+              </a:r>
+              <a:endParaRPr lang="en-DE" dirty="0"/>
+            </a:p>
+          </p:txBody>
+        </p:sp>
+      </p:grpSp>
     </p:spTree>
     <p:extLst>
       <p:ext uri="{BB962C8B-B14F-4D97-AF65-F5344CB8AC3E}">

--- a/Tests/FloodTest/Out/Shapes.pptx
+++ b/Tests/FloodTest/Out/Shapes.pptx
@@ -274,7 +274,7 @@
           <a:p>
             <a:fld id="{D2780377-5FBC-468B-8C38-F6C49A5277F5}" type="datetimeFigureOut">
               <a:rPr lang="en-DE" smtClean="0"/>
-              <a:t>18/07/2019</a:t>
+              <a:t>19/07/2019</a:t>
             </a:fld>
             <a:endParaRPr lang="en-DE"/>
           </a:p>
@@ -474,7 +474,7 @@
           <a:p>
             <a:fld id="{D2780377-5FBC-468B-8C38-F6C49A5277F5}" type="datetimeFigureOut">
               <a:rPr lang="en-DE" smtClean="0"/>
-              <a:t>18/07/2019</a:t>
+              <a:t>19/07/2019</a:t>
             </a:fld>
             <a:endParaRPr lang="en-DE"/>
           </a:p>
@@ -684,7 +684,7 @@
           <a:p>
             <a:fld id="{D2780377-5FBC-468B-8C38-F6C49A5277F5}" type="datetimeFigureOut">
               <a:rPr lang="en-DE" smtClean="0"/>
-              <a:t>18/07/2019</a:t>
+              <a:t>19/07/2019</a:t>
             </a:fld>
             <a:endParaRPr lang="en-DE"/>
           </a:p>
@@ -884,7 +884,7 @@
           <a:p>
             <a:fld id="{D2780377-5FBC-468B-8C38-F6C49A5277F5}" type="datetimeFigureOut">
               <a:rPr lang="en-DE" smtClean="0"/>
-              <a:t>18/07/2019</a:t>
+              <a:t>19/07/2019</a:t>
             </a:fld>
             <a:endParaRPr lang="en-DE"/>
           </a:p>
@@ -1160,7 +1160,7 @@
           <a:p>
             <a:fld id="{D2780377-5FBC-468B-8C38-F6C49A5277F5}" type="datetimeFigureOut">
               <a:rPr lang="en-DE" smtClean="0"/>
-              <a:t>18/07/2019</a:t>
+              <a:t>19/07/2019</a:t>
             </a:fld>
             <a:endParaRPr lang="en-DE"/>
           </a:p>
@@ -1428,7 +1428,7 @@
           <a:p>
             <a:fld id="{D2780377-5FBC-468B-8C38-F6C49A5277F5}" type="datetimeFigureOut">
               <a:rPr lang="en-DE" smtClean="0"/>
-              <a:t>18/07/2019</a:t>
+              <a:t>19/07/2019</a:t>
             </a:fld>
             <a:endParaRPr lang="en-DE"/>
           </a:p>
@@ -1843,7 +1843,7 @@
           <a:p>
             <a:fld id="{D2780377-5FBC-468B-8C38-F6C49A5277F5}" type="datetimeFigureOut">
               <a:rPr lang="en-DE" smtClean="0"/>
-              <a:t>18/07/2019</a:t>
+              <a:t>19/07/2019</a:t>
             </a:fld>
             <a:endParaRPr lang="en-DE"/>
           </a:p>
@@ -1985,7 +1985,7 @@
           <a:p>
             <a:fld id="{D2780377-5FBC-468B-8C38-F6C49A5277F5}" type="datetimeFigureOut">
               <a:rPr lang="en-DE" smtClean="0"/>
-              <a:t>18/07/2019</a:t>
+              <a:t>19/07/2019</a:t>
             </a:fld>
             <a:endParaRPr lang="en-DE"/>
           </a:p>
@@ -2098,7 +2098,7 @@
           <a:p>
             <a:fld id="{D2780377-5FBC-468B-8C38-F6C49A5277F5}" type="datetimeFigureOut">
               <a:rPr lang="en-DE" smtClean="0"/>
-              <a:t>18/07/2019</a:t>
+              <a:t>19/07/2019</a:t>
             </a:fld>
             <a:endParaRPr lang="en-DE"/>
           </a:p>
@@ -2411,7 +2411,7 @@
           <a:p>
             <a:fld id="{D2780377-5FBC-468B-8C38-F6C49A5277F5}" type="datetimeFigureOut">
               <a:rPr lang="en-DE" smtClean="0"/>
-              <a:t>18/07/2019</a:t>
+              <a:t>19/07/2019</a:t>
             </a:fld>
             <a:endParaRPr lang="en-DE"/>
           </a:p>
@@ -2700,7 +2700,7 @@
           <a:p>
             <a:fld id="{D2780377-5FBC-468B-8C38-F6C49A5277F5}" type="datetimeFigureOut">
               <a:rPr lang="en-DE" smtClean="0"/>
-              <a:t>18/07/2019</a:t>
+              <a:t>19/07/2019</a:t>
             </a:fld>
             <a:endParaRPr lang="en-DE"/>
           </a:p>
@@ -2943,7 +2943,7 @@
           <a:p>
             <a:fld id="{D2780377-5FBC-468B-8C38-F6C49A5277F5}" type="datetimeFigureOut">
               <a:rPr lang="en-DE" smtClean="0"/>
-              <a:t>18/07/2019</a:t>
+              <a:t>19/07/2019</a:t>
             </a:fld>
             <a:endParaRPr lang="en-DE"/>
           </a:p>
@@ -4483,9 +4483,11 @@
               <a:avLst/>
             </a:prstGeom>
             <a:solidFill>
-              <a:srgbClr val="FFFF00">
+              <a:schemeClr val="accent6">
+                <a:lumMod val="20000"/>
+                <a:lumOff val="80000"/>
                 <a:alpha val="50000"/>
-              </a:srgbClr>
+              </a:schemeClr>
             </a:solidFill>
           </p:spPr>
           <p:style>
@@ -4801,9 +4803,11 @@
               <a:avLst/>
             </a:prstGeom>
             <a:solidFill>
-              <a:srgbClr val="FFFF00">
+              <a:schemeClr val="accent6">
+                <a:lumMod val="20000"/>
+                <a:lumOff val="80000"/>
                 <a:alpha val="50000"/>
-              </a:srgbClr>
+              </a:schemeClr>
             </a:solidFill>
           </p:spPr>
           <p:style>
@@ -5204,9 +5208,11 @@
               <a:avLst/>
             </a:prstGeom>
             <a:solidFill>
-              <a:srgbClr val="FFFF00">
+              <a:schemeClr val="accent6">
+                <a:lumMod val="20000"/>
+                <a:lumOff val="80000"/>
                 <a:alpha val="50000"/>
-              </a:srgbClr>
+              </a:schemeClr>
             </a:solidFill>
           </p:spPr>
           <p:style>
@@ -5230,7 +5236,7 @@
             <a:lstStyle/>
             <a:p>
               <a:pPr algn="ctr"/>
-              <a:endParaRPr lang="en-DE"/>
+              <a:endParaRPr lang="en-DE" dirty="0"/>
             </a:p>
           </p:txBody>
         </p:sp>
